--- a/doc/01_勉強会/01_勉強会資料/20181018_勉強会/02.資料/第2回進捗資料（一覧チーム）.pptx
+++ b/doc/01_勉強会/01_勉強会資料/20181018_勉強会/02.資料/第2回進捗資料（一覧チーム）.pptx
@@ -3614,15 +3614,7 @@
                   <a:schemeClr val="tx1"/>
                 </a:solidFill>
               </a:rPr>
-              <a:t>４</a:t>
-            </a:r>
-            <a:r>
-              <a:rPr lang="ja-JP" altLang="en-US" dirty="0" smtClean="0">
-                <a:solidFill>
-                  <a:schemeClr val="tx1"/>
-                </a:solidFill>
-              </a:rPr>
-              <a:t>－１</a:t>
+              <a:t>４－１</a:t>
             </a:r>
             <a:r>
               <a:rPr lang="zh-TW" altLang="en-US" dirty="0" smtClean="0">
@@ -3638,15 +3630,7 @@
                   <a:schemeClr val="tx1"/>
                 </a:solidFill>
               </a:rPr>
-              <a:t>バックアップ</a:t>
-            </a:r>
-            <a:r>
-              <a:rPr lang="ja-JP" altLang="en-US" dirty="0" smtClean="0">
-                <a:solidFill>
-                  <a:schemeClr val="tx1"/>
-                </a:solidFill>
-              </a:rPr>
-              <a:t>履歴</a:t>
+              <a:t>バックアップ履歴</a:t>
             </a:r>
             <a:endParaRPr lang="zh-TW" altLang="en-US" dirty="0"/>
           </a:p>
@@ -4922,23 +4906,7 @@
                   <a:schemeClr val="tx1"/>
                 </a:solidFill>
               </a:rPr>
-              <a:t>　</a:t>
-            </a:r>
-            <a:r>
-              <a:rPr lang="ja-JP" altLang="en-US" dirty="0" smtClean="0">
-                <a:solidFill>
-                  <a:schemeClr val="tx1"/>
-                </a:solidFill>
-              </a:rPr>
-              <a:t>一覧</a:t>
-            </a:r>
-            <a:r>
-              <a:rPr lang="ja-JP" altLang="en-US" dirty="0" smtClean="0">
-                <a:solidFill>
-                  <a:schemeClr val="tx1"/>
-                </a:solidFill>
-              </a:rPr>
-              <a:t>画面</a:t>
+              <a:t>　一覧画面</a:t>
             </a:r>
             <a:endParaRPr lang="zh-TW" altLang="en-US" dirty="0"/>
           </a:p>
@@ -6447,15 +6415,7 @@
                   <a:schemeClr val="tx1"/>
                 </a:solidFill>
               </a:rPr>
-              <a:t>参考　検索</a:t>
-            </a:r>
-            <a:r>
-              <a:rPr lang="ja-JP" altLang="en-US" dirty="0" smtClean="0">
-                <a:solidFill>
-                  <a:schemeClr val="tx1"/>
-                </a:solidFill>
-              </a:rPr>
-              <a:t>画面</a:t>
+              <a:t>参考　検索画面</a:t>
             </a:r>
             <a:endParaRPr lang="zh-TW" altLang="en-US" dirty="0"/>
           </a:p>
@@ -8055,23 +8015,7 @@
                   <a:schemeClr val="tx1"/>
                 </a:solidFill>
               </a:rPr>
-              <a:t>参考　</a:t>
-            </a:r>
-            <a:r>
-              <a:rPr lang="ja-JP" altLang="en-US" dirty="0" smtClean="0">
-                <a:solidFill>
-                  <a:schemeClr val="tx1"/>
-                </a:solidFill>
-              </a:rPr>
-              <a:t>登録</a:t>
-            </a:r>
-            <a:r>
-              <a:rPr lang="ja-JP" altLang="en-US" dirty="0" smtClean="0">
-                <a:solidFill>
-                  <a:schemeClr val="tx1"/>
-                </a:solidFill>
-              </a:rPr>
-              <a:t>画面</a:t>
+              <a:t>参考　登録画面</a:t>
             </a:r>
             <a:endParaRPr lang="zh-TW" altLang="en-US" dirty="0"/>
           </a:p>
@@ -9691,23 +9635,7 @@
                   <a:schemeClr val="tx1"/>
                 </a:solidFill>
               </a:rPr>
-              <a:t>参考　</a:t>
-            </a:r>
-            <a:r>
-              <a:rPr lang="ja-JP" altLang="en-US" dirty="0" smtClean="0">
-                <a:solidFill>
-                  <a:schemeClr val="tx1"/>
-                </a:solidFill>
-              </a:rPr>
-              <a:t>バックアップ</a:t>
-            </a:r>
-            <a:r>
-              <a:rPr lang="ja-JP" altLang="en-US" dirty="0" smtClean="0">
-                <a:solidFill>
-                  <a:schemeClr val="tx1"/>
-                </a:solidFill>
-              </a:rPr>
-              <a:t>画面</a:t>
+              <a:t>参考　バックアップ画面</a:t>
             </a:r>
             <a:endParaRPr lang="zh-TW" altLang="en-US" dirty="0"/>
           </a:p>
@@ -10763,23 +10691,7 @@
                   <a:schemeClr val="tx1"/>
                 </a:solidFill>
               </a:rPr>
-              <a:t>参考　</a:t>
-            </a:r>
-            <a:r>
-              <a:rPr lang="ja-JP" altLang="en-US" dirty="0" smtClean="0">
-                <a:solidFill>
-                  <a:schemeClr val="tx1"/>
-                </a:solidFill>
-              </a:rPr>
-              <a:t>ヘッダー</a:t>
-            </a:r>
-            <a:r>
-              <a:rPr lang="ja-JP" altLang="en-US" dirty="0" smtClean="0">
-                <a:solidFill>
-                  <a:schemeClr val="tx1"/>
-                </a:solidFill>
-              </a:rPr>
-              <a:t>、フッター部</a:t>
+              <a:t>参考　ヘッダー、フッター部</a:t>
             </a:r>
             <a:endParaRPr lang="zh-TW" altLang="en-US" dirty="0"/>
           </a:p>
@@ -11398,15 +11310,7 @@
                   <a:schemeClr val="tx1"/>
                 </a:solidFill>
               </a:rPr>
-              <a:t>１</a:t>
-            </a:r>
-            <a:r>
-              <a:rPr lang="ja-JP" altLang="en-US" dirty="0" smtClean="0">
-                <a:solidFill>
-                  <a:schemeClr val="tx1"/>
-                </a:solidFill>
-              </a:rPr>
-              <a:t>．</a:t>
+              <a:t>１．</a:t>
             </a:r>
             <a:r>
               <a:rPr lang="ja-JP" altLang="en-US" dirty="0">
@@ -11538,15 +11442,7 @@
                   <a:schemeClr val="tx1"/>
                 </a:solidFill>
               </a:rPr>
-              <a:t>３</a:t>
-            </a:r>
-            <a:r>
-              <a:rPr lang="ja-JP" altLang="en-US" dirty="0" smtClean="0">
-                <a:solidFill>
-                  <a:schemeClr val="tx1"/>
-                </a:solidFill>
-              </a:rPr>
-              <a:t>．</a:t>
+              <a:t>３．</a:t>
             </a:r>
             <a:r>
               <a:rPr lang="ja-JP" altLang="en-US" dirty="0">
@@ -11770,23 +11666,7 @@
                   <a:schemeClr val="tx1"/>
                 </a:solidFill>
               </a:rPr>
-              <a:t>　</a:t>
-            </a:r>
-            <a:r>
-              <a:rPr lang="ja-JP" altLang="en-US" dirty="0" smtClean="0">
-                <a:solidFill>
-                  <a:schemeClr val="tx1"/>
-                </a:solidFill>
-              </a:rPr>
-              <a:t>画面</a:t>
-            </a:r>
-            <a:r>
-              <a:rPr lang="ja-JP" altLang="en-US" dirty="0" smtClean="0">
-                <a:solidFill>
-                  <a:schemeClr val="tx1"/>
-                </a:solidFill>
-              </a:rPr>
-              <a:t>遷移図</a:t>
+              <a:t>　画面遷移図</a:t>
             </a:r>
             <a:endParaRPr dirty="0"/>
           </a:p>
@@ -15710,6 +15590,41 @@
               </a14:hiddenFill>
             </a:ext>
           </a:extLst>
+        </p:spPr>
+      </p:pic>
+      <p:pic>
+        <p:nvPicPr>
+          <p:cNvPr id="7" name="図 6"/>
+          <p:cNvPicPr>
+            <a:picLocks noChangeAspect="1"/>
+          </p:cNvPicPr>
+          <p:nvPr/>
+        </p:nvPicPr>
+        <p:blipFill>
+          <a:blip r:embed="rId3">
+            <a:extLst>
+              <a:ext uri="{28A0092B-C50C-407E-A947-70E740481C1C}">
+                <a14:useLocalDpi xmlns:a14="http://schemas.microsoft.com/office/drawing/2010/main" val="0"/>
+              </a:ext>
+            </a:extLst>
+          </a:blip>
+          <a:stretch>
+            <a:fillRect/>
+          </a:stretch>
+        </p:blipFill>
+        <p:spPr>
+          <a:xfrm>
+            <a:off x="6787663" y="1700808"/>
+            <a:ext cx="3297192" cy="4724223"/>
+          </a:xfrm>
+          <a:prstGeom prst="rect">
+            <a:avLst/>
+          </a:prstGeom>
+          <a:ln>
+            <a:solidFill>
+              <a:schemeClr val="tx1"/>
+            </a:solidFill>
+          </a:ln>
         </p:spPr>
       </p:pic>
     </p:spTree>
@@ -17071,15 +16986,7 @@
                   <a:schemeClr val="tx1"/>
                 </a:solidFill>
               </a:rPr>
-              <a:t>２</a:t>
-            </a:r>
-            <a:r>
-              <a:rPr lang="ja-JP" altLang="en-US" dirty="0" smtClean="0">
-                <a:solidFill>
-                  <a:schemeClr val="tx1"/>
-                </a:solidFill>
-              </a:rPr>
-              <a:t>－３</a:t>
+              <a:t>２－３</a:t>
             </a:r>
             <a:r>
               <a:rPr lang="zh-TW" altLang="en-US" dirty="0" smtClean="0">
@@ -17689,15 +17596,7 @@
                   <a:schemeClr val="tx1"/>
                 </a:solidFill>
               </a:rPr>
-              <a:t>２</a:t>
-            </a:r>
-            <a:r>
-              <a:rPr lang="ja-JP" altLang="en-US" dirty="0" smtClean="0">
-                <a:solidFill>
-                  <a:schemeClr val="tx1"/>
-                </a:solidFill>
-              </a:rPr>
-              <a:t>－３</a:t>
+              <a:t>２－３</a:t>
             </a:r>
             <a:r>
               <a:rPr lang="zh-TW" altLang="en-US" dirty="0" smtClean="0">
@@ -18308,6 +18207,41 @@
               </a14:hiddenFill>
             </a:ext>
           </a:extLst>
+        </p:spPr>
+      </p:pic>
+      <p:pic>
+        <p:nvPicPr>
+          <p:cNvPr id="3" name="図 2"/>
+          <p:cNvPicPr>
+            <a:picLocks noChangeAspect="1"/>
+          </p:cNvPicPr>
+          <p:nvPr/>
+        </p:nvPicPr>
+        <p:blipFill>
+          <a:blip r:embed="rId3">
+            <a:extLst>
+              <a:ext uri="{28A0092B-C50C-407E-A947-70E740481C1C}">
+                <a14:useLocalDpi xmlns:a14="http://schemas.microsoft.com/office/drawing/2010/main" val="0"/>
+              </a:ext>
+            </a:extLst>
+          </a:blip>
+          <a:stretch>
+            <a:fillRect/>
+          </a:stretch>
+        </p:blipFill>
+        <p:spPr>
+          <a:xfrm>
+            <a:off x="6641469" y="1628800"/>
+            <a:ext cx="3687829" cy="4309282"/>
+          </a:xfrm>
+          <a:prstGeom prst="rect">
+            <a:avLst/>
+          </a:prstGeom>
+          <a:ln>
+            <a:solidFill>
+              <a:schemeClr val="tx1"/>
+            </a:solidFill>
+          </a:ln>
         </p:spPr>
       </p:pic>
     </p:spTree>

--- a/doc/01_勉強会/01_勉強会資料/20181018_勉強会/02.資料/第2回進捗資料（一覧チーム）.pptx
+++ b/doc/01_勉強会/01_勉強会資料/20181018_勉強会/02.資料/第2回進捗資料（一覧チーム）.pptx
@@ -5,7 +5,7 @@
     <p:sldMasterId id="2147483648" r:id="rId1"/>
   </p:sldMasterIdLst>
   <p:notesMasterIdLst>
-    <p:notesMasterId r:id="rId22"/>
+    <p:notesMasterId r:id="rId24"/>
   </p:notesMasterIdLst>
   <p:sldIdLst>
     <p:sldId id="256" r:id="rId2"/>
@@ -21,13 +21,15 @@
     <p:sldId id="287" r:id="rId12"/>
     <p:sldId id="286" r:id="rId13"/>
     <p:sldId id="291" r:id="rId14"/>
-    <p:sldId id="292" r:id="rId15"/>
-    <p:sldId id="260" r:id="rId16"/>
-    <p:sldId id="275" r:id="rId17"/>
-    <p:sldId id="276" r:id="rId18"/>
-    <p:sldId id="277" r:id="rId19"/>
-    <p:sldId id="280" r:id="rId20"/>
-    <p:sldId id="261" r:id="rId21"/>
+    <p:sldId id="293" r:id="rId15"/>
+    <p:sldId id="294" r:id="rId16"/>
+    <p:sldId id="292" r:id="rId17"/>
+    <p:sldId id="260" r:id="rId18"/>
+    <p:sldId id="275" r:id="rId19"/>
+    <p:sldId id="276" r:id="rId20"/>
+    <p:sldId id="277" r:id="rId21"/>
+    <p:sldId id="280" r:id="rId22"/>
+    <p:sldId id="261" r:id="rId23"/>
   </p:sldIdLst>
   <p:sldSz cx="12192000" cy="6858000"/>
   <p:notesSz cx="6858000" cy="9144000"/>
@@ -329,6 +331,22 @@
       </a:defRPr>
     </a:lvl9pPr>
   </p:defaultTextStyle>
+  <p:extLst>
+    <p:ext uri="{EFAFB233-063F-42B5-8137-9DF3F51BA10A}">
+      <p15:sldGuideLst xmlns:p15="http://schemas.microsoft.com/office/powerpoint/2012/main">
+        <p15:guide id="1" orient="horz" pos="2160">
+          <p15:clr>
+            <a:srgbClr val="A4A3A4"/>
+          </p15:clr>
+        </p15:guide>
+        <p15:guide id="2" pos="3840">
+          <p15:clr>
+            <a:srgbClr val="A4A3A4"/>
+          </p15:clr>
+        </p15:guide>
+      </p15:sldGuideLst>
+    </p:ext>
+  </p:extLst>
 </p:presentation>
 </file>
 
@@ -757,7 +775,7 @@
           </a:ln>
           <a:extLst>
             <a:ext uri="{C572A759-6A51-4108-AA02-DFA0A04FC94B}">
-              <ma14:wrappingTextBoxFlag xmlns="" xmlns:ma14="http://schemas.microsoft.com/office/mac/drawingml/2011/main" val="1"/>
+              <ma14:wrappingTextBoxFlag xmlns:ma14="http://schemas.microsoft.com/office/mac/drawingml/2011/main" xmlns="" val="1"/>
             </a:ext>
           </a:extLst>
         </p:spPr>
@@ -796,7 +814,7 @@
           </a:ln>
           <a:extLst>
             <a:ext uri="{C572A759-6A51-4108-AA02-DFA0A04FC94B}">
-              <ma14:wrappingTextBoxFlag xmlns="" xmlns:ma14="http://schemas.microsoft.com/office/mac/drawingml/2011/main" val="1"/>
+              <ma14:wrappingTextBoxFlag xmlns:ma14="http://schemas.microsoft.com/office/mac/drawingml/2011/main" xmlns="" val="1"/>
             </a:ext>
           </a:extLst>
         </p:spPr>
@@ -2051,7 +2069,7 @@
           </a:ln>
           <a:extLst>
             <a:ext uri="{C572A759-6A51-4108-AA02-DFA0A04FC94B}">
-              <ma14:wrappingTextBoxFlag xmlns="" xmlns:ma14="http://schemas.microsoft.com/office/mac/drawingml/2011/main" val="1"/>
+              <ma14:wrappingTextBoxFlag xmlns:ma14="http://schemas.microsoft.com/office/mac/drawingml/2011/main" xmlns="" val="1"/>
             </a:ext>
           </a:extLst>
         </p:spPr>
@@ -2090,7 +2108,7 @@
           </a:ln>
           <a:extLst>
             <a:ext uri="{C572A759-6A51-4108-AA02-DFA0A04FC94B}">
-              <ma14:wrappingTextBoxFlag xmlns="" xmlns:ma14="http://schemas.microsoft.com/office/mac/drawingml/2011/main" val="1"/>
+              <ma14:wrappingTextBoxFlag xmlns:ma14="http://schemas.microsoft.com/office/mac/drawingml/2011/main" xmlns="" val="1"/>
             </a:ext>
           </a:extLst>
         </p:spPr>
@@ -3077,7 +3095,7 @@
           </a:ln>
           <a:extLst>
             <a:ext uri="{C572A759-6A51-4108-AA02-DFA0A04FC94B}">
-              <ma14:wrappingTextBoxFlag xmlns="" xmlns:ma14="http://schemas.microsoft.com/office/mac/drawingml/2011/main" val="1"/>
+              <ma14:wrappingTextBoxFlag xmlns:ma14="http://schemas.microsoft.com/office/mac/drawingml/2011/main" xmlns="" val="1"/>
             </a:ext>
           </a:extLst>
         </p:spPr>
@@ -4763,6 +4781,29 @@
           </a:p>
         </p:txBody>
       </p:sp>
+      <p:pic>
+        <p:nvPicPr>
+          <p:cNvPr id="2" name="図 1"/>
+          <p:cNvPicPr>
+            <a:picLocks noChangeAspect="1"/>
+          </p:cNvPicPr>
+          <p:nvPr/>
+        </p:nvPicPr>
+        <p:blipFill rotWithShape="1">
+          <a:blip r:embed="rId3"/>
+          <a:srcRect t="2038"/>
+          <a:stretch/>
+        </p:blipFill>
+        <p:spPr>
+          <a:xfrm>
+            <a:off x="7320136" y="1519457"/>
+            <a:ext cx="2579982" cy="4981568"/>
+          </a:xfrm>
+          <a:prstGeom prst="rect">
+            <a:avLst/>
+          </a:prstGeom>
+        </p:spPr>
+      </p:pic>
     </p:spTree>
     <p:extLst>
       <p:ext uri="{BB962C8B-B14F-4D97-AF65-F5344CB8AC3E}">
@@ -4803,6 +4844,556 @@
       </p:grpSpPr>
       <p:sp>
         <p:nvSpPr>
+          <p:cNvPr id="161" name="Shape 161"/>
+          <p:cNvSpPr>
+            <a:spLocks noGrp="1"/>
+          </p:cNvSpPr>
+          <p:nvPr>
+            <p:ph type="title"/>
+          </p:nvPr>
+        </p:nvSpPr>
+        <p:spPr>
+          <a:xfrm>
+            <a:off x="555218" y="284176"/>
+            <a:ext cx="9784082" cy="915974"/>
+          </a:xfrm>
+          <a:prstGeom prst="rect">
+            <a:avLst/>
+          </a:prstGeom>
+        </p:spPr>
+        <p:txBody>
+          <a:bodyPr/>
+          <a:lstStyle/>
+          <a:p>
+            <a:r>
+              <a:rPr lang="ja-JP" altLang="en-US" dirty="0">
+                <a:solidFill>
+                  <a:schemeClr val="tx1"/>
+                </a:solidFill>
+              </a:rPr>
+              <a:t>５－１</a:t>
+            </a:r>
+            <a:r>
+              <a:rPr lang="zh-TW" altLang="en-US" dirty="0" smtClean="0">
+                <a:solidFill>
+                  <a:schemeClr val="tx1"/>
+                </a:solidFill>
+              </a:rPr>
+              <a:t>．</a:t>
+            </a:r>
+            <a:r>
+              <a:rPr lang="ja-JP" altLang="en-US" dirty="0" smtClean="0">
+                <a:solidFill>
+                  <a:schemeClr val="tx1"/>
+                </a:solidFill>
+              </a:rPr>
+              <a:t>ヘッダー画面</a:t>
+            </a:r>
+            <a:endParaRPr lang="zh-TW" altLang="en-US" dirty="0"/>
+          </a:p>
+        </p:txBody>
+      </p:sp>
+      <p:sp>
+        <p:nvSpPr>
+          <p:cNvPr id="11" name="テキスト ボックス 10"/>
+          <p:cNvSpPr txBox="1"/>
+          <p:nvPr/>
+        </p:nvSpPr>
+        <p:spPr>
+          <a:xfrm>
+            <a:off x="2720550" y="1163165"/>
+            <a:ext cx="797650" cy="369328"/>
+          </a:xfrm>
+          <a:prstGeom prst="rect">
+            <a:avLst/>
+          </a:prstGeom>
+          <a:noFill/>
+          <a:ln w="12700" cap="flat">
+            <a:noFill/>
+            <a:miter lim="400000"/>
+          </a:ln>
+          <a:effectLst/>
+          <a:sp3d/>
+        </p:spPr>
+        <p:style>
+          <a:lnRef idx="0">
+            <a:scrgbClr r="0" g="0" b="0"/>
+          </a:lnRef>
+          <a:fillRef idx="0">
+            <a:scrgbClr r="0" g="0" b="0"/>
+          </a:fillRef>
+          <a:effectRef idx="0">
+            <a:scrgbClr r="0" g="0" b="0"/>
+          </a:effectRef>
+          <a:fontRef idx="none"/>
+        </p:style>
+        <p:txBody>
+          <a:bodyPr rot="0" spcFirstLastPara="1" vertOverflow="overflow" horzOverflow="overflow" vert="horz" wrap="none" lIns="45718" tIns="45718" rIns="45718" bIns="45718" numCol="1" spcCol="38100" rtlCol="0" anchor="t">
+            <a:spAutoFit/>
+          </a:bodyPr>
+          <a:lstStyle/>
+          <a:p>
+            <a:pPr marL="0" marR="0" indent="0" algn="l" defTabSz="914400" rtl="0" fontAlgn="auto" latinLnBrk="0" hangingPunct="0">
+              <a:lnSpc>
+                <a:spcPct val="100000"/>
+              </a:lnSpc>
+              <a:spcBef>
+                <a:spcPts val="0"/>
+              </a:spcBef>
+              <a:spcAft>
+                <a:spcPts val="0"/>
+              </a:spcAft>
+              <a:buClrTx/>
+              <a:buSzTx/>
+              <a:buFontTx/>
+              <a:buNone/>
+              <a:tabLst/>
+            </a:pPr>
+            <a:r>
+              <a:rPr lang="ja-JP" altLang="en-US" dirty="0"/>
+              <a:t>ヘッダ</a:t>
+            </a:r>
+            <a:r>
+              <a:rPr lang="ja-JP" altLang="en-US" dirty="0" smtClean="0"/>
+              <a:t>ー</a:t>
+            </a:r>
+            <a:endParaRPr kumimoji="0" lang="ja-JP" altLang="en-US" sz="1800" b="0" i="0" u="none" strike="noStrike" cap="none" spc="0" normalizeH="0" baseline="0" dirty="0">
+              <a:ln>
+                <a:noFill/>
+              </a:ln>
+              <a:solidFill>
+                <a:srgbClr val="000000"/>
+              </a:solidFill>
+              <a:effectLst/>
+              <a:uFillTx/>
+              <a:latin typeface="+mn-lt"/>
+              <a:ea typeface="+mn-ea"/>
+              <a:cs typeface="+mn-cs"/>
+              <a:sym typeface="Meiryo UI"/>
+            </a:endParaRPr>
+          </a:p>
+        </p:txBody>
+      </p:sp>
+      <p:pic>
+        <p:nvPicPr>
+          <p:cNvPr id="2" name="図 1"/>
+          <p:cNvPicPr>
+            <a:picLocks noChangeAspect="1"/>
+          </p:cNvPicPr>
+          <p:nvPr/>
+        </p:nvPicPr>
+        <p:blipFill rotWithShape="1">
+          <a:blip r:embed="rId2"/>
+          <a:srcRect t="2038"/>
+          <a:stretch/>
+        </p:blipFill>
+        <p:spPr>
+          <a:xfrm>
+            <a:off x="1787826" y="1525185"/>
+            <a:ext cx="2579982" cy="4981568"/>
+          </a:xfrm>
+          <a:prstGeom prst="rect">
+            <a:avLst/>
+          </a:prstGeom>
+        </p:spPr>
+      </p:pic>
+      <p:sp>
+        <p:nvSpPr>
+          <p:cNvPr id="8" name="正方形/長方形 7"/>
+          <p:cNvSpPr/>
+          <p:nvPr/>
+        </p:nvSpPr>
+        <p:spPr>
+          <a:xfrm>
+            <a:off x="1703512" y="1916832"/>
+            <a:ext cx="2776908" cy="614998"/>
+          </a:xfrm>
+          <a:prstGeom prst="rect">
+            <a:avLst/>
+          </a:prstGeom>
+          <a:noFill/>
+          <a:ln>
+            <a:solidFill>
+              <a:srgbClr val="FF0000"/>
+            </a:solidFill>
+          </a:ln>
+        </p:spPr>
+        <p:style>
+          <a:lnRef idx="2">
+            <a:schemeClr val="accent1">
+              <a:shade val="50000"/>
+            </a:schemeClr>
+          </a:lnRef>
+          <a:fillRef idx="1">
+            <a:schemeClr val="accent1"/>
+          </a:fillRef>
+          <a:effectRef idx="0">
+            <a:schemeClr val="accent1"/>
+          </a:effectRef>
+          <a:fontRef idx="minor">
+            <a:schemeClr val="lt1"/>
+          </a:fontRef>
+        </p:style>
+        <p:txBody>
+          <a:bodyPr rtlCol="0" anchor="ctr"/>
+          <a:lstStyle/>
+          <a:p>
+            <a:pPr algn="ctr"/>
+            <a:endParaRPr kumimoji="1" lang="ja-JP" altLang="en-US"/>
+          </a:p>
+        </p:txBody>
+      </p:sp>
+      <p:pic>
+        <p:nvPicPr>
+          <p:cNvPr id="3" name="図 2"/>
+          <p:cNvPicPr>
+            <a:picLocks noChangeAspect="1"/>
+          </p:cNvPicPr>
+          <p:nvPr/>
+        </p:nvPicPr>
+        <p:blipFill>
+          <a:blip r:embed="rId3"/>
+          <a:stretch>
+            <a:fillRect/>
+          </a:stretch>
+        </p:blipFill>
+        <p:spPr>
+          <a:xfrm>
+            <a:off x="5879976" y="1532493"/>
+            <a:ext cx="5256584" cy="3665776"/>
+          </a:xfrm>
+          <a:prstGeom prst="rect">
+            <a:avLst/>
+          </a:prstGeom>
+        </p:spPr>
+      </p:pic>
+    </p:spTree>
+    <p:extLst>
+      <p:ext uri="{BB962C8B-B14F-4D97-AF65-F5344CB8AC3E}">
+        <p14:creationId xmlns:p14="http://schemas.microsoft.com/office/powerpoint/2010/main" val="3754615526"/>
+      </p:ext>
+    </p:extLst>
+  </p:cSld>
+  <p:clrMapOvr>
+    <a:masterClrMapping/>
+  </p:clrMapOvr>
+  <p:transition spd="slow"/>
+  <p:timing>
+    <p:tnLst>
+      <p:par>
+        <p:cTn id="1" dur="indefinite" restart="never" nodeType="tmRoot"/>
+      </p:par>
+    </p:tnLst>
+  </p:timing>
+</p:sld>
+</file>
+
+<file path=ppt/slides/slide15.xml><?xml version="1.0" encoding="utf-8"?>
+<p:sld xmlns:a="http://schemas.openxmlformats.org/drawingml/2006/main" xmlns:r="http://schemas.openxmlformats.org/officeDocument/2006/relationships" xmlns:p="http://schemas.openxmlformats.org/presentationml/2006/main">
+  <p:cSld>
+    <p:spTree>
+      <p:nvGrpSpPr>
+        <p:cNvPr id="1" name=""/>
+        <p:cNvGrpSpPr/>
+        <p:nvPr/>
+      </p:nvGrpSpPr>
+      <p:grpSpPr>
+        <a:xfrm>
+          <a:off x="0" y="0"/>
+          <a:ext cx="0" cy="0"/>
+          <a:chOff x="0" y="0"/>
+          <a:chExt cx="0" cy="0"/>
+        </a:xfrm>
+      </p:grpSpPr>
+      <p:sp>
+        <p:nvSpPr>
+          <p:cNvPr id="161" name="Shape 161"/>
+          <p:cNvSpPr>
+            <a:spLocks noGrp="1"/>
+          </p:cNvSpPr>
+          <p:nvPr>
+            <p:ph type="title"/>
+          </p:nvPr>
+        </p:nvSpPr>
+        <p:spPr>
+          <a:xfrm>
+            <a:off x="555218" y="284176"/>
+            <a:ext cx="9784082" cy="915974"/>
+          </a:xfrm>
+          <a:prstGeom prst="rect">
+            <a:avLst/>
+          </a:prstGeom>
+        </p:spPr>
+        <p:txBody>
+          <a:bodyPr/>
+          <a:lstStyle/>
+          <a:p>
+            <a:r>
+              <a:rPr lang="ja-JP" altLang="en-US" dirty="0">
+                <a:solidFill>
+                  <a:schemeClr val="tx1"/>
+                </a:solidFill>
+              </a:rPr>
+              <a:t>５</a:t>
+            </a:r>
+            <a:r>
+              <a:rPr lang="ja-JP" altLang="en-US" dirty="0" smtClean="0">
+                <a:solidFill>
+                  <a:schemeClr val="tx1"/>
+                </a:solidFill>
+              </a:rPr>
+              <a:t>－</a:t>
+            </a:r>
+            <a:r>
+              <a:rPr lang="en-US" altLang="ja-JP" dirty="0" smtClean="0">
+                <a:solidFill>
+                  <a:schemeClr val="tx1"/>
+                </a:solidFill>
+              </a:rPr>
+              <a:t>2</a:t>
+            </a:r>
+            <a:r>
+              <a:rPr lang="zh-TW" altLang="en-US" dirty="0" smtClean="0">
+                <a:solidFill>
+                  <a:schemeClr val="tx1"/>
+                </a:solidFill>
+              </a:rPr>
+              <a:t>．</a:t>
+            </a:r>
+            <a:r>
+              <a:rPr lang="ja-JP" altLang="en-US" dirty="0" smtClean="0">
+                <a:solidFill>
+                  <a:schemeClr val="tx1"/>
+                </a:solidFill>
+              </a:rPr>
+              <a:t>フッター画面</a:t>
+            </a:r>
+            <a:endParaRPr lang="zh-TW" altLang="en-US" dirty="0"/>
+          </a:p>
+        </p:txBody>
+      </p:sp>
+      <p:sp>
+        <p:nvSpPr>
+          <p:cNvPr id="11" name="テキスト ボックス 10"/>
+          <p:cNvSpPr txBox="1"/>
+          <p:nvPr/>
+        </p:nvSpPr>
+        <p:spPr>
+          <a:xfrm>
+            <a:off x="2720550" y="1163165"/>
+            <a:ext cx="730324" cy="369328"/>
+          </a:xfrm>
+          <a:prstGeom prst="rect">
+            <a:avLst/>
+          </a:prstGeom>
+          <a:noFill/>
+          <a:ln w="12700" cap="flat">
+            <a:noFill/>
+            <a:miter lim="400000"/>
+          </a:ln>
+          <a:effectLst/>
+          <a:sp3d/>
+        </p:spPr>
+        <p:style>
+          <a:lnRef idx="0">
+            <a:scrgbClr r="0" g="0" b="0"/>
+          </a:lnRef>
+          <a:fillRef idx="0">
+            <a:scrgbClr r="0" g="0" b="0"/>
+          </a:fillRef>
+          <a:effectRef idx="0">
+            <a:scrgbClr r="0" g="0" b="0"/>
+          </a:effectRef>
+          <a:fontRef idx="none"/>
+        </p:style>
+        <p:txBody>
+          <a:bodyPr rot="0" spcFirstLastPara="1" vertOverflow="overflow" horzOverflow="overflow" vert="horz" wrap="none" lIns="45718" tIns="45718" rIns="45718" bIns="45718" numCol="1" spcCol="38100" rtlCol="0" anchor="t">
+            <a:spAutoFit/>
+          </a:bodyPr>
+          <a:lstStyle/>
+          <a:p>
+            <a:pPr marL="0" marR="0" indent="0" algn="l" defTabSz="914400" rtl="0" fontAlgn="auto" latinLnBrk="0" hangingPunct="0">
+              <a:lnSpc>
+                <a:spcPct val="100000"/>
+              </a:lnSpc>
+              <a:spcBef>
+                <a:spcPts val="0"/>
+              </a:spcBef>
+              <a:spcAft>
+                <a:spcPts val="0"/>
+              </a:spcAft>
+              <a:buClrTx/>
+              <a:buSzTx/>
+              <a:buFontTx/>
+              <a:buNone/>
+              <a:tabLst/>
+            </a:pPr>
+            <a:r>
+              <a:rPr kumimoji="0" lang="ja-JP" altLang="en-US" sz="1800" b="0" i="0" u="none" strike="noStrike" cap="none" spc="0" normalizeH="0" baseline="0" dirty="0" smtClean="0">
+                <a:ln>
+                  <a:noFill/>
+                </a:ln>
+                <a:solidFill>
+                  <a:srgbClr val="000000"/>
+                </a:solidFill>
+                <a:effectLst/>
+                <a:uFillTx/>
+                <a:latin typeface="+mn-lt"/>
+                <a:ea typeface="+mn-ea"/>
+                <a:cs typeface="+mn-cs"/>
+                <a:sym typeface="Meiryo UI"/>
+              </a:rPr>
+              <a:t>フッター</a:t>
+            </a:r>
+            <a:endParaRPr kumimoji="0" lang="ja-JP" altLang="en-US" sz="1800" b="0" i="0" u="none" strike="noStrike" cap="none" spc="0" normalizeH="0" baseline="0" dirty="0">
+              <a:ln>
+                <a:noFill/>
+              </a:ln>
+              <a:solidFill>
+                <a:srgbClr val="000000"/>
+              </a:solidFill>
+              <a:effectLst/>
+              <a:uFillTx/>
+              <a:latin typeface="+mn-lt"/>
+              <a:ea typeface="+mn-ea"/>
+              <a:cs typeface="+mn-cs"/>
+              <a:sym typeface="Meiryo UI"/>
+            </a:endParaRPr>
+          </a:p>
+        </p:txBody>
+      </p:sp>
+      <p:pic>
+        <p:nvPicPr>
+          <p:cNvPr id="2" name="図 1"/>
+          <p:cNvPicPr>
+            <a:picLocks noChangeAspect="1"/>
+          </p:cNvPicPr>
+          <p:nvPr/>
+        </p:nvPicPr>
+        <p:blipFill rotWithShape="1">
+          <a:blip r:embed="rId2"/>
+          <a:srcRect t="2038"/>
+          <a:stretch/>
+        </p:blipFill>
+        <p:spPr>
+          <a:xfrm>
+            <a:off x="1787826" y="1525185"/>
+            <a:ext cx="2579982" cy="4981568"/>
+          </a:xfrm>
+          <a:prstGeom prst="rect">
+            <a:avLst/>
+          </a:prstGeom>
+        </p:spPr>
+      </p:pic>
+      <p:sp>
+        <p:nvSpPr>
+          <p:cNvPr id="8" name="正方形/長方形 7"/>
+          <p:cNvSpPr/>
+          <p:nvPr/>
+        </p:nvSpPr>
+        <p:spPr>
+          <a:xfrm>
+            <a:off x="1703512" y="5910346"/>
+            <a:ext cx="2776908" cy="614998"/>
+          </a:xfrm>
+          <a:prstGeom prst="rect">
+            <a:avLst/>
+          </a:prstGeom>
+          <a:noFill/>
+          <a:ln>
+            <a:solidFill>
+              <a:srgbClr val="FF0000"/>
+            </a:solidFill>
+          </a:ln>
+        </p:spPr>
+        <p:style>
+          <a:lnRef idx="2">
+            <a:schemeClr val="accent1">
+              <a:shade val="50000"/>
+            </a:schemeClr>
+          </a:lnRef>
+          <a:fillRef idx="1">
+            <a:schemeClr val="accent1"/>
+          </a:fillRef>
+          <a:effectRef idx="0">
+            <a:schemeClr val="accent1"/>
+          </a:effectRef>
+          <a:fontRef idx="minor">
+            <a:schemeClr val="lt1"/>
+          </a:fontRef>
+        </p:style>
+        <p:txBody>
+          <a:bodyPr rtlCol="0" anchor="ctr"/>
+          <a:lstStyle/>
+          <a:p>
+            <a:pPr algn="ctr"/>
+            <a:endParaRPr kumimoji="1" lang="ja-JP" altLang="en-US"/>
+          </a:p>
+        </p:txBody>
+      </p:sp>
+      <p:pic>
+        <p:nvPicPr>
+          <p:cNvPr id="5" name="図 4"/>
+          <p:cNvPicPr>
+            <a:picLocks noChangeAspect="1"/>
+          </p:cNvPicPr>
+          <p:nvPr/>
+        </p:nvPicPr>
+        <p:blipFill rotWithShape="1">
+          <a:blip r:embed="rId3"/>
+          <a:srcRect l="5325" t="22115" r="1602" b="11702"/>
+          <a:stretch/>
+        </p:blipFill>
+        <p:spPr>
+          <a:xfrm>
+            <a:off x="4871864" y="1532493"/>
+            <a:ext cx="6945453" cy="4377854"/>
+          </a:xfrm>
+          <a:prstGeom prst="rect">
+            <a:avLst/>
+          </a:prstGeom>
+        </p:spPr>
+      </p:pic>
+    </p:spTree>
+    <p:extLst>
+      <p:ext uri="{BB962C8B-B14F-4D97-AF65-F5344CB8AC3E}">
+        <p14:creationId xmlns:p14="http://schemas.microsoft.com/office/powerpoint/2010/main" val="3387809169"/>
+      </p:ext>
+    </p:extLst>
+  </p:cSld>
+  <p:clrMapOvr>
+    <a:masterClrMapping/>
+  </p:clrMapOvr>
+  <p:transition spd="slow"/>
+  <p:timing>
+    <p:tnLst>
+      <p:par>
+        <p:cTn id="1" dur="indefinite" restart="never" nodeType="tmRoot"/>
+      </p:par>
+    </p:tnLst>
+  </p:timing>
+</p:sld>
+</file>
+
+<file path=ppt/slides/slide16.xml><?xml version="1.0" encoding="utf-8"?>
+<p:sld xmlns:a="http://schemas.openxmlformats.org/drawingml/2006/main" xmlns:r="http://schemas.openxmlformats.org/officeDocument/2006/relationships" xmlns:p="http://schemas.openxmlformats.org/presentationml/2006/main">
+  <p:cSld>
+    <p:spTree>
+      <p:nvGrpSpPr>
+        <p:cNvPr id="1" name=""/>
+        <p:cNvGrpSpPr/>
+        <p:nvPr/>
+      </p:nvGrpSpPr>
+      <p:grpSpPr>
+        <a:xfrm>
+          <a:off x="0" y="0"/>
+          <a:ext cx="0" cy="0"/>
+          <a:chOff x="0" y="0"/>
+          <a:chExt cx="0" cy="0"/>
+        </a:xfrm>
+      </p:grpSpPr>
+      <p:sp>
+        <p:nvSpPr>
           <p:cNvPr id="2" name="タイトル 1"/>
           <p:cNvSpPr>
             <a:spLocks noGrp="1"/>
@@ -4852,7 +5443,7 @@
 </p:sld>
 </file>
 
-<file path=ppt/slides/slide15.xml><?xml version="1.0" encoding="utf-8"?>
+<file path=ppt/slides/slide17.xml><?xml version="1.0" encoding="utf-8"?>
 <p:sld xmlns:a="http://schemas.openxmlformats.org/drawingml/2006/main" xmlns:r="http://schemas.openxmlformats.org/officeDocument/2006/relationships" xmlns:p="http://schemas.openxmlformats.org/presentationml/2006/main">
   <p:cSld>
     <p:spTree>
@@ -6322,7 +6913,7 @@
 </p:sld>
 </file>
 
-<file path=ppt/slides/slide16.xml><?xml version="1.0" encoding="utf-8"?>
+<file path=ppt/slides/slide18.xml><?xml version="1.0" encoding="utf-8"?>
 <p:sld xmlns:a="http://schemas.openxmlformats.org/drawingml/2006/main" xmlns:r="http://schemas.openxmlformats.org/officeDocument/2006/relationships" xmlns:p="http://schemas.openxmlformats.org/presentationml/2006/main">
   <p:cSld>
     <p:spTree>
@@ -7922,7 +8513,7 @@
 </p:sld>
 </file>
 
-<file path=ppt/slides/slide17.xml><?xml version="1.0" encoding="utf-8"?>
+<file path=ppt/slides/slide19.xml><?xml version="1.0" encoding="utf-8"?>
 <p:sld xmlns:a="http://schemas.openxmlformats.org/drawingml/2006/main" xmlns:r="http://schemas.openxmlformats.org/officeDocument/2006/relationships" xmlns:p="http://schemas.openxmlformats.org/presentationml/2006/main">
   <p:cSld>
     <p:spTree>
@@ -9542,7 +10133,405 @@
 </p:sld>
 </file>
 
-<file path=ppt/slides/slide18.xml><?xml version="1.0" encoding="utf-8"?>
+<file path=ppt/slides/slide2.xml><?xml version="1.0" encoding="utf-8"?>
+<p:sld xmlns:a="http://schemas.openxmlformats.org/drawingml/2006/main" xmlns:r="http://schemas.openxmlformats.org/officeDocument/2006/relationships" xmlns:p="http://schemas.openxmlformats.org/presentationml/2006/main">
+  <p:cSld>
+    <p:spTree>
+      <p:nvGrpSpPr>
+        <p:cNvPr id="1" name=""/>
+        <p:cNvGrpSpPr/>
+        <p:nvPr/>
+      </p:nvGrpSpPr>
+      <p:grpSpPr>
+        <a:xfrm>
+          <a:off x="0" y="0"/>
+          <a:ext cx="0" cy="0"/>
+          <a:chOff x="0" y="0"/>
+          <a:chExt cx="0" cy="0"/>
+        </a:xfrm>
+      </p:grpSpPr>
+      <p:sp>
+        <p:nvSpPr>
+          <p:cNvPr id="106" name="Shape 106"/>
+          <p:cNvSpPr>
+            <a:spLocks noGrp="1"/>
+          </p:cNvSpPr>
+          <p:nvPr>
+            <p:ph type="title"/>
+          </p:nvPr>
+        </p:nvSpPr>
+        <p:spPr>
+          <a:xfrm>
+            <a:off x="555218" y="284176"/>
+            <a:ext cx="9784082" cy="915974"/>
+          </a:xfrm>
+          <a:prstGeom prst="rect">
+            <a:avLst/>
+          </a:prstGeom>
+        </p:spPr>
+        <p:txBody>
+          <a:bodyPr/>
+          <a:lstStyle/>
+          <a:p>
+            <a:r>
+              <a:rPr dirty="0" err="1"/>
+              <a:t>目次</a:t>
+            </a:r>
+            <a:endParaRPr dirty="0"/>
+          </a:p>
+        </p:txBody>
+      </p:sp>
+      <p:sp>
+        <p:nvSpPr>
+          <p:cNvPr id="107" name="Shape 107"/>
+          <p:cNvSpPr/>
+          <p:nvPr/>
+        </p:nvSpPr>
+        <p:spPr>
+          <a:xfrm>
+            <a:off x="335360" y="1268760"/>
+            <a:ext cx="5388423" cy="459739"/>
+          </a:xfrm>
+          <a:prstGeom prst="rect">
+            <a:avLst/>
+          </a:prstGeom>
+          <a:ln w="12700">
+            <a:miter lim="400000"/>
+          </a:ln>
+          <a:extLst>
+            <a:ext uri="{C572A759-6A51-4108-AA02-DFA0A04FC94B}">
+              <ma14:wrappingTextBoxFlag xmlns:ma14="http://schemas.microsoft.com/office/mac/drawingml/2011/main" xmlns="" val="1"/>
+            </a:ext>
+          </a:extLst>
+        </p:spPr>
+        <p:txBody>
+          <a:bodyPr lIns="45718" tIns="45718" rIns="45718" bIns="45718">
+            <a:spAutoFit/>
+          </a:bodyPr>
+          <a:lstStyle>
+            <a:lvl1pPr marL="342900" indent="-342900">
+              <a:buClr>
+                <a:schemeClr val="accent2"/>
+              </a:buClr>
+              <a:buSzPct val="100000"/>
+              <a:buFont typeface="Wingdings"/>
+              <a:buChar char="➢"/>
+              <a:defRPr sz="2400"/>
+            </a:lvl1pPr>
+          </a:lstStyle>
+          <a:p>
+            <a:pPr marL="0" indent="0">
+              <a:buNone/>
+            </a:pPr>
+            <a:r>
+              <a:rPr lang="ja-JP" altLang="en-US" dirty="0" smtClean="0">
+                <a:solidFill>
+                  <a:schemeClr val="tx1"/>
+                </a:solidFill>
+              </a:rPr>
+              <a:t>１．</a:t>
+            </a:r>
+            <a:r>
+              <a:rPr lang="ja-JP" altLang="en-US" dirty="0">
+                <a:solidFill>
+                  <a:schemeClr val="tx1"/>
+                </a:solidFill>
+              </a:rPr>
+              <a:t>一覧画面</a:t>
+            </a:r>
+            <a:endParaRPr dirty="0"/>
+          </a:p>
+        </p:txBody>
+      </p:sp>
+      <p:sp>
+        <p:nvSpPr>
+          <p:cNvPr id="7" name="Shape 107"/>
+          <p:cNvSpPr/>
+          <p:nvPr/>
+        </p:nvSpPr>
+        <p:spPr>
+          <a:xfrm>
+            <a:off x="335360" y="1844824"/>
+            <a:ext cx="5388423" cy="459739"/>
+          </a:xfrm>
+          <a:prstGeom prst="rect">
+            <a:avLst/>
+          </a:prstGeom>
+          <a:ln w="12700">
+            <a:miter lim="400000"/>
+          </a:ln>
+          <a:extLst>
+            <a:ext uri="{C572A759-6A51-4108-AA02-DFA0A04FC94B}">
+              <ma14:wrappingTextBoxFlag xmlns:ma14="http://schemas.microsoft.com/office/mac/drawingml/2011/main" xmlns="" val="1"/>
+            </a:ext>
+          </a:extLst>
+        </p:spPr>
+        <p:txBody>
+          <a:bodyPr lIns="45718" tIns="45718" rIns="45718" bIns="45718">
+            <a:spAutoFit/>
+          </a:bodyPr>
+          <a:lstStyle>
+            <a:lvl1pPr marL="342900" indent="-342900">
+              <a:buClr>
+                <a:schemeClr val="accent2"/>
+              </a:buClr>
+              <a:buSzPct val="100000"/>
+              <a:buFont typeface="Wingdings"/>
+              <a:buChar char="➢"/>
+              <a:defRPr sz="2400"/>
+            </a:lvl1pPr>
+          </a:lstStyle>
+          <a:p>
+            <a:pPr marL="0" indent="0">
+              <a:buNone/>
+            </a:pPr>
+            <a:r>
+              <a:rPr lang="ja-JP" altLang="en-US" dirty="0">
+                <a:solidFill>
+                  <a:schemeClr val="tx1"/>
+                </a:solidFill>
+              </a:rPr>
+              <a:t>２</a:t>
+            </a:r>
+            <a:r>
+              <a:rPr lang="ja-JP" altLang="en-US" dirty="0" smtClean="0">
+                <a:solidFill>
+                  <a:schemeClr val="tx1"/>
+                </a:solidFill>
+              </a:rPr>
+              <a:t>．</a:t>
+            </a:r>
+            <a:r>
+              <a:rPr lang="ja-JP" altLang="en-US" dirty="0">
+                <a:solidFill>
+                  <a:schemeClr val="tx1"/>
+                </a:solidFill>
+              </a:rPr>
+              <a:t>検索画面</a:t>
+            </a:r>
+            <a:endParaRPr dirty="0"/>
+          </a:p>
+        </p:txBody>
+      </p:sp>
+      <p:sp>
+        <p:nvSpPr>
+          <p:cNvPr id="8" name="Shape 107"/>
+          <p:cNvSpPr/>
+          <p:nvPr/>
+        </p:nvSpPr>
+        <p:spPr>
+          <a:xfrm>
+            <a:off x="328560" y="2490241"/>
+            <a:ext cx="5388423" cy="459739"/>
+          </a:xfrm>
+          <a:prstGeom prst="rect">
+            <a:avLst/>
+          </a:prstGeom>
+          <a:ln w="12700">
+            <a:miter lim="400000"/>
+          </a:ln>
+          <a:extLst>
+            <a:ext uri="{C572A759-6A51-4108-AA02-DFA0A04FC94B}">
+              <ma14:wrappingTextBoxFlag xmlns:ma14="http://schemas.microsoft.com/office/mac/drawingml/2011/main" xmlns="" val="1"/>
+            </a:ext>
+          </a:extLst>
+        </p:spPr>
+        <p:txBody>
+          <a:bodyPr lIns="45718" tIns="45718" rIns="45718" bIns="45718">
+            <a:spAutoFit/>
+          </a:bodyPr>
+          <a:lstStyle>
+            <a:lvl1pPr marL="342900" indent="-342900">
+              <a:buClr>
+                <a:schemeClr val="accent2"/>
+              </a:buClr>
+              <a:buSzPct val="100000"/>
+              <a:buFont typeface="Wingdings"/>
+              <a:buChar char="➢"/>
+              <a:defRPr sz="2400"/>
+            </a:lvl1pPr>
+          </a:lstStyle>
+          <a:p>
+            <a:pPr marL="0" indent="0">
+              <a:buNone/>
+            </a:pPr>
+            <a:r>
+              <a:rPr lang="ja-JP" altLang="en-US" dirty="0" smtClean="0">
+                <a:solidFill>
+                  <a:schemeClr val="tx1"/>
+                </a:solidFill>
+              </a:rPr>
+              <a:t>３．</a:t>
+            </a:r>
+            <a:r>
+              <a:rPr lang="ja-JP" altLang="en-US" dirty="0">
+                <a:solidFill>
+                  <a:schemeClr val="tx1"/>
+                </a:solidFill>
+              </a:rPr>
+              <a:t>登録画面</a:t>
+            </a:r>
+            <a:endParaRPr dirty="0"/>
+          </a:p>
+        </p:txBody>
+      </p:sp>
+      <p:sp>
+        <p:nvSpPr>
+          <p:cNvPr id="9" name="Shape 107"/>
+          <p:cNvSpPr/>
+          <p:nvPr/>
+        </p:nvSpPr>
+        <p:spPr>
+          <a:xfrm>
+            <a:off x="323326" y="3717032"/>
+            <a:ext cx="5388423" cy="459739"/>
+          </a:xfrm>
+          <a:prstGeom prst="rect">
+            <a:avLst/>
+          </a:prstGeom>
+          <a:ln w="12700">
+            <a:miter lim="400000"/>
+          </a:ln>
+          <a:extLst>
+            <a:ext uri="{C572A759-6A51-4108-AA02-DFA0A04FC94B}">
+              <ma14:wrappingTextBoxFlag xmlns:ma14="http://schemas.microsoft.com/office/mac/drawingml/2011/main" xmlns="" val="1"/>
+            </a:ext>
+          </a:extLst>
+        </p:spPr>
+        <p:txBody>
+          <a:bodyPr lIns="45718" tIns="45718" rIns="45718" bIns="45718">
+            <a:spAutoFit/>
+          </a:bodyPr>
+          <a:lstStyle>
+            <a:lvl1pPr marL="342900" indent="-342900">
+              <a:buClr>
+                <a:schemeClr val="accent2"/>
+              </a:buClr>
+              <a:buSzPct val="100000"/>
+              <a:buFont typeface="Wingdings"/>
+              <a:buChar char="➢"/>
+              <a:defRPr sz="2400"/>
+            </a:lvl1pPr>
+          </a:lstStyle>
+          <a:p>
+            <a:pPr marL="0" indent="0">
+              <a:buNone/>
+            </a:pPr>
+            <a:r>
+              <a:rPr lang="ja-JP" altLang="en-US" dirty="0">
+                <a:solidFill>
+                  <a:schemeClr val="tx1"/>
+                </a:solidFill>
+              </a:rPr>
+              <a:t>５</a:t>
+            </a:r>
+            <a:r>
+              <a:rPr lang="ja-JP" altLang="en-US" dirty="0" smtClean="0">
+                <a:solidFill>
+                  <a:schemeClr val="tx1"/>
+                </a:solidFill>
+              </a:rPr>
+              <a:t>．ヘッダー、フッター</a:t>
+            </a:r>
+            <a:endParaRPr dirty="0"/>
+          </a:p>
+        </p:txBody>
+      </p:sp>
+      <p:sp>
+        <p:nvSpPr>
+          <p:cNvPr id="15" name="Shape 107"/>
+          <p:cNvSpPr/>
+          <p:nvPr/>
+        </p:nvSpPr>
+        <p:spPr>
+          <a:xfrm>
+            <a:off x="320577" y="3068960"/>
+            <a:ext cx="5388423" cy="459739"/>
+          </a:xfrm>
+          <a:prstGeom prst="rect">
+            <a:avLst/>
+          </a:prstGeom>
+          <a:ln w="12700">
+            <a:miter lim="400000"/>
+          </a:ln>
+          <a:extLst>
+            <a:ext uri="{C572A759-6A51-4108-AA02-DFA0A04FC94B}">
+              <ma14:wrappingTextBoxFlag xmlns:ma14="http://schemas.microsoft.com/office/mac/drawingml/2011/main" xmlns="" val="1"/>
+            </a:ext>
+          </a:extLst>
+        </p:spPr>
+        <p:txBody>
+          <a:bodyPr lIns="45718" tIns="45718" rIns="45718" bIns="45718">
+            <a:spAutoFit/>
+          </a:bodyPr>
+          <a:lstStyle>
+            <a:lvl1pPr marL="342900" indent="-342900">
+              <a:buClr>
+                <a:schemeClr val="accent2"/>
+              </a:buClr>
+              <a:buSzPct val="100000"/>
+              <a:buFont typeface="Wingdings"/>
+              <a:buChar char="➢"/>
+              <a:defRPr sz="2400"/>
+            </a:lvl1pPr>
+          </a:lstStyle>
+          <a:p>
+            <a:pPr marL="0" indent="0">
+              <a:buNone/>
+            </a:pPr>
+            <a:r>
+              <a:rPr lang="ja-JP" altLang="en-US" dirty="0">
+                <a:solidFill>
+                  <a:schemeClr val="tx1"/>
+                </a:solidFill>
+              </a:rPr>
+              <a:t>４</a:t>
+            </a:r>
+            <a:r>
+              <a:rPr lang="ja-JP" altLang="en-US" dirty="0" smtClean="0">
+                <a:solidFill>
+                  <a:schemeClr val="tx1"/>
+                </a:solidFill>
+              </a:rPr>
+              <a:t>．</a:t>
+            </a:r>
+            <a:r>
+              <a:rPr lang="ja-JP" altLang="en-US" dirty="0">
+                <a:solidFill>
+                  <a:schemeClr val="tx1"/>
+                </a:solidFill>
+              </a:rPr>
+              <a:t>バックアップ</a:t>
+            </a:r>
+            <a:r>
+              <a:rPr lang="ja-JP" altLang="en-US" dirty="0" smtClean="0">
+                <a:solidFill>
+                  <a:schemeClr val="tx1"/>
+                </a:solidFill>
+              </a:rPr>
+              <a:t>画面</a:t>
+            </a:r>
+            <a:endParaRPr dirty="0"/>
+          </a:p>
+        </p:txBody>
+      </p:sp>
+    </p:spTree>
+  </p:cSld>
+  <p:clrMapOvr>
+    <a:masterClrMapping/>
+  </p:clrMapOvr>
+  <p:transition spd="slow"/>
+  <p:timing>
+    <p:tnLst>
+      <p:par>
+        <p:cTn id="1" dur="indefinite" restart="never" nodeType="tmRoot"/>
+      </p:par>
+    </p:tnLst>
+  </p:timing>
+</p:sld>
+</file>
+
+<file path=ppt/slides/slide20.xml><?xml version="1.0" encoding="utf-8"?>
 <p:sld xmlns:a="http://schemas.openxmlformats.org/drawingml/2006/main" xmlns:r="http://schemas.openxmlformats.org/officeDocument/2006/relationships" xmlns:p="http://schemas.openxmlformats.org/presentationml/2006/main">
   <p:cSld>
     <p:spTree>
@@ -10598,7 +11587,7 @@
 </p:sld>
 </file>
 
-<file path=ppt/slides/slide19.xml><?xml version="1.0" encoding="utf-8"?>
+<file path=ppt/slides/slide21.xml><?xml version="1.0" encoding="utf-8"?>
 <p:sld xmlns:a="http://schemas.openxmlformats.org/drawingml/2006/main" xmlns:r="http://schemas.openxmlformats.org/officeDocument/2006/relationships" xmlns:p="http://schemas.openxmlformats.org/presentationml/2006/main">
   <p:cSld>
     <p:spTree>
@@ -11214,405 +12203,7 @@
 </p:sld>
 </file>
 
-<file path=ppt/slides/slide2.xml><?xml version="1.0" encoding="utf-8"?>
-<p:sld xmlns:a="http://schemas.openxmlformats.org/drawingml/2006/main" xmlns:r="http://schemas.openxmlformats.org/officeDocument/2006/relationships" xmlns:p="http://schemas.openxmlformats.org/presentationml/2006/main">
-  <p:cSld>
-    <p:spTree>
-      <p:nvGrpSpPr>
-        <p:cNvPr id="1" name=""/>
-        <p:cNvGrpSpPr/>
-        <p:nvPr/>
-      </p:nvGrpSpPr>
-      <p:grpSpPr>
-        <a:xfrm>
-          <a:off x="0" y="0"/>
-          <a:ext cx="0" cy="0"/>
-          <a:chOff x="0" y="0"/>
-          <a:chExt cx="0" cy="0"/>
-        </a:xfrm>
-      </p:grpSpPr>
-      <p:sp>
-        <p:nvSpPr>
-          <p:cNvPr id="106" name="Shape 106"/>
-          <p:cNvSpPr>
-            <a:spLocks noGrp="1"/>
-          </p:cNvSpPr>
-          <p:nvPr>
-            <p:ph type="title"/>
-          </p:nvPr>
-        </p:nvSpPr>
-        <p:spPr>
-          <a:xfrm>
-            <a:off x="555218" y="284176"/>
-            <a:ext cx="9784082" cy="915974"/>
-          </a:xfrm>
-          <a:prstGeom prst="rect">
-            <a:avLst/>
-          </a:prstGeom>
-        </p:spPr>
-        <p:txBody>
-          <a:bodyPr/>
-          <a:lstStyle/>
-          <a:p>
-            <a:r>
-              <a:rPr dirty="0" err="1"/>
-              <a:t>目次</a:t>
-            </a:r>
-            <a:endParaRPr dirty="0"/>
-          </a:p>
-        </p:txBody>
-      </p:sp>
-      <p:sp>
-        <p:nvSpPr>
-          <p:cNvPr id="107" name="Shape 107"/>
-          <p:cNvSpPr/>
-          <p:nvPr/>
-        </p:nvSpPr>
-        <p:spPr>
-          <a:xfrm>
-            <a:off x="335360" y="1268760"/>
-            <a:ext cx="5388423" cy="459739"/>
-          </a:xfrm>
-          <a:prstGeom prst="rect">
-            <a:avLst/>
-          </a:prstGeom>
-          <a:ln w="12700">
-            <a:miter lim="400000"/>
-          </a:ln>
-          <a:extLst>
-            <a:ext uri="{C572A759-6A51-4108-AA02-DFA0A04FC94B}">
-              <ma14:wrappingTextBoxFlag xmlns="" xmlns:ma14="http://schemas.microsoft.com/office/mac/drawingml/2011/main" val="1"/>
-            </a:ext>
-          </a:extLst>
-        </p:spPr>
-        <p:txBody>
-          <a:bodyPr lIns="45718" tIns="45718" rIns="45718" bIns="45718">
-            <a:spAutoFit/>
-          </a:bodyPr>
-          <a:lstStyle>
-            <a:lvl1pPr marL="342900" indent="-342900">
-              <a:buClr>
-                <a:schemeClr val="accent2"/>
-              </a:buClr>
-              <a:buSzPct val="100000"/>
-              <a:buFont typeface="Wingdings"/>
-              <a:buChar char="➢"/>
-              <a:defRPr sz="2400"/>
-            </a:lvl1pPr>
-          </a:lstStyle>
-          <a:p>
-            <a:pPr marL="0" indent="0">
-              <a:buNone/>
-            </a:pPr>
-            <a:r>
-              <a:rPr lang="ja-JP" altLang="en-US" dirty="0" smtClean="0">
-                <a:solidFill>
-                  <a:schemeClr val="tx1"/>
-                </a:solidFill>
-              </a:rPr>
-              <a:t>１．</a:t>
-            </a:r>
-            <a:r>
-              <a:rPr lang="ja-JP" altLang="en-US" dirty="0">
-                <a:solidFill>
-                  <a:schemeClr val="tx1"/>
-                </a:solidFill>
-              </a:rPr>
-              <a:t>一覧画面</a:t>
-            </a:r>
-            <a:endParaRPr dirty="0"/>
-          </a:p>
-        </p:txBody>
-      </p:sp>
-      <p:sp>
-        <p:nvSpPr>
-          <p:cNvPr id="7" name="Shape 107"/>
-          <p:cNvSpPr/>
-          <p:nvPr/>
-        </p:nvSpPr>
-        <p:spPr>
-          <a:xfrm>
-            <a:off x="335360" y="1844824"/>
-            <a:ext cx="5388423" cy="459739"/>
-          </a:xfrm>
-          <a:prstGeom prst="rect">
-            <a:avLst/>
-          </a:prstGeom>
-          <a:ln w="12700">
-            <a:miter lim="400000"/>
-          </a:ln>
-          <a:extLst>
-            <a:ext uri="{C572A759-6A51-4108-AA02-DFA0A04FC94B}">
-              <ma14:wrappingTextBoxFlag xmlns="" xmlns:ma14="http://schemas.microsoft.com/office/mac/drawingml/2011/main" val="1"/>
-            </a:ext>
-          </a:extLst>
-        </p:spPr>
-        <p:txBody>
-          <a:bodyPr lIns="45718" tIns="45718" rIns="45718" bIns="45718">
-            <a:spAutoFit/>
-          </a:bodyPr>
-          <a:lstStyle>
-            <a:lvl1pPr marL="342900" indent="-342900">
-              <a:buClr>
-                <a:schemeClr val="accent2"/>
-              </a:buClr>
-              <a:buSzPct val="100000"/>
-              <a:buFont typeface="Wingdings"/>
-              <a:buChar char="➢"/>
-              <a:defRPr sz="2400"/>
-            </a:lvl1pPr>
-          </a:lstStyle>
-          <a:p>
-            <a:pPr marL="0" indent="0">
-              <a:buNone/>
-            </a:pPr>
-            <a:r>
-              <a:rPr lang="ja-JP" altLang="en-US" dirty="0">
-                <a:solidFill>
-                  <a:schemeClr val="tx1"/>
-                </a:solidFill>
-              </a:rPr>
-              <a:t>２</a:t>
-            </a:r>
-            <a:r>
-              <a:rPr lang="ja-JP" altLang="en-US" dirty="0" smtClean="0">
-                <a:solidFill>
-                  <a:schemeClr val="tx1"/>
-                </a:solidFill>
-              </a:rPr>
-              <a:t>．</a:t>
-            </a:r>
-            <a:r>
-              <a:rPr lang="ja-JP" altLang="en-US" dirty="0">
-                <a:solidFill>
-                  <a:schemeClr val="tx1"/>
-                </a:solidFill>
-              </a:rPr>
-              <a:t>検索画面</a:t>
-            </a:r>
-            <a:endParaRPr dirty="0"/>
-          </a:p>
-        </p:txBody>
-      </p:sp>
-      <p:sp>
-        <p:nvSpPr>
-          <p:cNvPr id="8" name="Shape 107"/>
-          <p:cNvSpPr/>
-          <p:nvPr/>
-        </p:nvSpPr>
-        <p:spPr>
-          <a:xfrm>
-            <a:off x="328560" y="2490241"/>
-            <a:ext cx="5388423" cy="459739"/>
-          </a:xfrm>
-          <a:prstGeom prst="rect">
-            <a:avLst/>
-          </a:prstGeom>
-          <a:ln w="12700">
-            <a:miter lim="400000"/>
-          </a:ln>
-          <a:extLst>
-            <a:ext uri="{C572A759-6A51-4108-AA02-DFA0A04FC94B}">
-              <ma14:wrappingTextBoxFlag xmlns="" xmlns:ma14="http://schemas.microsoft.com/office/mac/drawingml/2011/main" val="1"/>
-            </a:ext>
-          </a:extLst>
-        </p:spPr>
-        <p:txBody>
-          <a:bodyPr lIns="45718" tIns="45718" rIns="45718" bIns="45718">
-            <a:spAutoFit/>
-          </a:bodyPr>
-          <a:lstStyle>
-            <a:lvl1pPr marL="342900" indent="-342900">
-              <a:buClr>
-                <a:schemeClr val="accent2"/>
-              </a:buClr>
-              <a:buSzPct val="100000"/>
-              <a:buFont typeface="Wingdings"/>
-              <a:buChar char="➢"/>
-              <a:defRPr sz="2400"/>
-            </a:lvl1pPr>
-          </a:lstStyle>
-          <a:p>
-            <a:pPr marL="0" indent="0">
-              <a:buNone/>
-            </a:pPr>
-            <a:r>
-              <a:rPr lang="ja-JP" altLang="en-US" dirty="0" smtClean="0">
-                <a:solidFill>
-                  <a:schemeClr val="tx1"/>
-                </a:solidFill>
-              </a:rPr>
-              <a:t>３．</a:t>
-            </a:r>
-            <a:r>
-              <a:rPr lang="ja-JP" altLang="en-US" dirty="0">
-                <a:solidFill>
-                  <a:schemeClr val="tx1"/>
-                </a:solidFill>
-              </a:rPr>
-              <a:t>登録画面</a:t>
-            </a:r>
-            <a:endParaRPr dirty="0"/>
-          </a:p>
-        </p:txBody>
-      </p:sp>
-      <p:sp>
-        <p:nvSpPr>
-          <p:cNvPr id="9" name="Shape 107"/>
-          <p:cNvSpPr/>
-          <p:nvPr/>
-        </p:nvSpPr>
-        <p:spPr>
-          <a:xfrm>
-            <a:off x="323326" y="3717032"/>
-            <a:ext cx="5388423" cy="459739"/>
-          </a:xfrm>
-          <a:prstGeom prst="rect">
-            <a:avLst/>
-          </a:prstGeom>
-          <a:ln w="12700">
-            <a:miter lim="400000"/>
-          </a:ln>
-          <a:extLst>
-            <a:ext uri="{C572A759-6A51-4108-AA02-DFA0A04FC94B}">
-              <ma14:wrappingTextBoxFlag xmlns="" xmlns:ma14="http://schemas.microsoft.com/office/mac/drawingml/2011/main" val="1"/>
-            </a:ext>
-          </a:extLst>
-        </p:spPr>
-        <p:txBody>
-          <a:bodyPr lIns="45718" tIns="45718" rIns="45718" bIns="45718">
-            <a:spAutoFit/>
-          </a:bodyPr>
-          <a:lstStyle>
-            <a:lvl1pPr marL="342900" indent="-342900">
-              <a:buClr>
-                <a:schemeClr val="accent2"/>
-              </a:buClr>
-              <a:buSzPct val="100000"/>
-              <a:buFont typeface="Wingdings"/>
-              <a:buChar char="➢"/>
-              <a:defRPr sz="2400"/>
-            </a:lvl1pPr>
-          </a:lstStyle>
-          <a:p>
-            <a:pPr marL="0" indent="0">
-              <a:buNone/>
-            </a:pPr>
-            <a:r>
-              <a:rPr lang="ja-JP" altLang="en-US" dirty="0">
-                <a:solidFill>
-                  <a:schemeClr val="tx1"/>
-                </a:solidFill>
-              </a:rPr>
-              <a:t>５</a:t>
-            </a:r>
-            <a:r>
-              <a:rPr lang="ja-JP" altLang="en-US" dirty="0" smtClean="0">
-                <a:solidFill>
-                  <a:schemeClr val="tx1"/>
-                </a:solidFill>
-              </a:rPr>
-              <a:t>．ヘッダー、フッター</a:t>
-            </a:r>
-            <a:endParaRPr dirty="0"/>
-          </a:p>
-        </p:txBody>
-      </p:sp>
-      <p:sp>
-        <p:nvSpPr>
-          <p:cNvPr id="15" name="Shape 107"/>
-          <p:cNvSpPr/>
-          <p:nvPr/>
-        </p:nvSpPr>
-        <p:spPr>
-          <a:xfrm>
-            <a:off x="320577" y="3068960"/>
-            <a:ext cx="5388423" cy="459739"/>
-          </a:xfrm>
-          <a:prstGeom prst="rect">
-            <a:avLst/>
-          </a:prstGeom>
-          <a:ln w="12700">
-            <a:miter lim="400000"/>
-          </a:ln>
-          <a:extLst>
-            <a:ext uri="{C572A759-6A51-4108-AA02-DFA0A04FC94B}">
-              <ma14:wrappingTextBoxFlag xmlns="" xmlns:ma14="http://schemas.microsoft.com/office/mac/drawingml/2011/main" val="1"/>
-            </a:ext>
-          </a:extLst>
-        </p:spPr>
-        <p:txBody>
-          <a:bodyPr lIns="45718" tIns="45718" rIns="45718" bIns="45718">
-            <a:spAutoFit/>
-          </a:bodyPr>
-          <a:lstStyle>
-            <a:lvl1pPr marL="342900" indent="-342900">
-              <a:buClr>
-                <a:schemeClr val="accent2"/>
-              </a:buClr>
-              <a:buSzPct val="100000"/>
-              <a:buFont typeface="Wingdings"/>
-              <a:buChar char="➢"/>
-              <a:defRPr sz="2400"/>
-            </a:lvl1pPr>
-          </a:lstStyle>
-          <a:p>
-            <a:pPr marL="0" indent="0">
-              <a:buNone/>
-            </a:pPr>
-            <a:r>
-              <a:rPr lang="ja-JP" altLang="en-US" dirty="0">
-                <a:solidFill>
-                  <a:schemeClr val="tx1"/>
-                </a:solidFill>
-              </a:rPr>
-              <a:t>４</a:t>
-            </a:r>
-            <a:r>
-              <a:rPr lang="ja-JP" altLang="en-US" dirty="0" smtClean="0">
-                <a:solidFill>
-                  <a:schemeClr val="tx1"/>
-                </a:solidFill>
-              </a:rPr>
-              <a:t>．</a:t>
-            </a:r>
-            <a:r>
-              <a:rPr lang="ja-JP" altLang="en-US" dirty="0">
-                <a:solidFill>
-                  <a:schemeClr val="tx1"/>
-                </a:solidFill>
-              </a:rPr>
-              <a:t>バックアップ</a:t>
-            </a:r>
-            <a:r>
-              <a:rPr lang="ja-JP" altLang="en-US" dirty="0" smtClean="0">
-                <a:solidFill>
-                  <a:schemeClr val="tx1"/>
-                </a:solidFill>
-              </a:rPr>
-              <a:t>画面</a:t>
-            </a:r>
-            <a:endParaRPr dirty="0"/>
-          </a:p>
-        </p:txBody>
-      </p:sp>
-    </p:spTree>
-  </p:cSld>
-  <p:clrMapOvr>
-    <a:masterClrMapping/>
-  </p:clrMapOvr>
-  <p:transition spd="slow"/>
-  <p:timing>
-    <p:tnLst>
-      <p:par>
-        <p:cTn id="1" dur="indefinite" restart="never" nodeType="tmRoot"/>
-      </p:par>
-    </p:tnLst>
-  </p:timing>
-</p:sld>
-</file>
-
-<file path=ppt/slides/slide20.xml><?xml version="1.0" encoding="utf-8"?>
+<file path=ppt/slides/slide22.xml><?xml version="1.0" encoding="utf-8"?>
 <p:sld xmlns:a="http://schemas.openxmlformats.org/drawingml/2006/main" xmlns:r="http://schemas.openxmlformats.org/officeDocument/2006/relationships" xmlns:p="http://schemas.openxmlformats.org/presentationml/2006/main">
   <p:cSld>
     <p:spTree>
